--- a/2014/taag/troop457AtAGlance.pptx
+++ b/2014/taag/troop457AtAGlance.pptx
@@ -291,7 +291,7 @@
             <a:fld id="{1F6864BD-AB7C-4E72-96C5-F30924BF62CA}" type="datetimeFigureOut">
               <a:rPr lang="en-US" smtClean="0"/>
               <a:pPr/>
-              <a:t>6/22/13</a:t>
+              <a:t>9/24/2013</a:t>
             </a:fld>
             <a:endParaRPr lang="en-US"/>
           </a:p>
@@ -458,7 +458,7 @@
             <a:fld id="{1F6864BD-AB7C-4E72-96C5-F30924BF62CA}" type="datetimeFigureOut">
               <a:rPr lang="en-US" smtClean="0"/>
               <a:pPr/>
-              <a:t>6/22/13</a:t>
+              <a:t>9/24/2013</a:t>
             </a:fld>
             <a:endParaRPr lang="en-US"/>
           </a:p>
@@ -635,7 +635,7 @@
             <a:fld id="{1F6864BD-AB7C-4E72-96C5-F30924BF62CA}" type="datetimeFigureOut">
               <a:rPr lang="en-US" smtClean="0"/>
               <a:pPr/>
-              <a:t>6/22/13</a:t>
+              <a:t>9/24/2013</a:t>
             </a:fld>
             <a:endParaRPr lang="en-US"/>
           </a:p>
@@ -873,7 +873,7 @@
           <a:p>
             <a:fld id="{36F5A084-61DB-6D4B-9AF5-E4B2A9D472A3}" type="datetimeFigureOut">
               <a:rPr lang="en-US" smtClean="0"/>
-              <a:t>6/22/13</a:t>
+              <a:t>9/24/2013</a:t>
             </a:fld>
             <a:endParaRPr lang="en-US"/>
           </a:p>
@@ -1043,7 +1043,7 @@
           <a:p>
             <a:fld id="{36F5A084-61DB-6D4B-9AF5-E4B2A9D472A3}" type="datetimeFigureOut">
               <a:rPr lang="en-US" smtClean="0"/>
-              <a:t>6/22/13</a:t>
+              <a:t>9/24/2013</a:t>
             </a:fld>
             <a:endParaRPr lang="en-US"/>
           </a:p>
@@ -1289,7 +1289,7 @@
           <a:p>
             <a:fld id="{36F5A084-61DB-6D4B-9AF5-E4B2A9D472A3}" type="datetimeFigureOut">
               <a:rPr lang="en-US" smtClean="0"/>
-              <a:t>6/22/13</a:t>
+              <a:t>9/24/2013</a:t>
             </a:fld>
             <a:endParaRPr lang="en-US"/>
           </a:p>
@@ -1577,7 +1577,7 @@
           <a:p>
             <a:fld id="{36F5A084-61DB-6D4B-9AF5-E4B2A9D472A3}" type="datetimeFigureOut">
               <a:rPr lang="en-US" smtClean="0"/>
-              <a:t>6/22/13</a:t>
+              <a:t>9/24/2013</a:t>
             </a:fld>
             <a:endParaRPr lang="en-US"/>
           </a:p>
@@ -1999,7 +1999,7 @@
           <a:p>
             <a:fld id="{36F5A084-61DB-6D4B-9AF5-E4B2A9D472A3}" type="datetimeFigureOut">
               <a:rPr lang="en-US" smtClean="0"/>
-              <a:t>6/22/13</a:t>
+              <a:t>9/24/2013</a:t>
             </a:fld>
             <a:endParaRPr lang="en-US"/>
           </a:p>
@@ -2117,7 +2117,7 @@
           <a:p>
             <a:fld id="{36F5A084-61DB-6D4B-9AF5-E4B2A9D472A3}" type="datetimeFigureOut">
               <a:rPr lang="en-US" smtClean="0"/>
-              <a:t>6/22/13</a:t>
+              <a:t>9/24/2013</a:t>
             </a:fld>
             <a:endParaRPr lang="en-US"/>
           </a:p>
@@ -2212,7 +2212,7 @@
           <a:p>
             <a:fld id="{36F5A084-61DB-6D4B-9AF5-E4B2A9D472A3}" type="datetimeFigureOut">
               <a:rPr lang="en-US" smtClean="0"/>
-              <a:t>6/22/13</a:t>
+              <a:t>9/24/2013</a:t>
             </a:fld>
             <a:endParaRPr lang="en-US"/>
           </a:p>
@@ -2489,7 +2489,7 @@
           <a:p>
             <a:fld id="{36F5A084-61DB-6D4B-9AF5-E4B2A9D472A3}" type="datetimeFigureOut">
               <a:rPr lang="en-US" smtClean="0"/>
-              <a:t>6/22/13</a:t>
+              <a:t>9/24/2013</a:t>
             </a:fld>
             <a:endParaRPr lang="en-US"/>
           </a:p>
@@ -2660,7 +2660,7 @@
             <a:fld id="{1F6864BD-AB7C-4E72-96C5-F30924BF62CA}" type="datetimeFigureOut">
               <a:rPr lang="en-US" smtClean="0"/>
               <a:pPr/>
-              <a:t>6/22/13</a:t>
+              <a:t>9/24/2013</a:t>
             </a:fld>
             <a:endParaRPr lang="en-US"/>
           </a:p>
@@ -2909,7 +2909,7 @@
           <a:p>
             <a:fld id="{36F5A084-61DB-6D4B-9AF5-E4B2A9D472A3}" type="datetimeFigureOut">
               <a:rPr lang="en-US" smtClean="0"/>
-              <a:t>6/22/13</a:t>
+              <a:t>9/24/2013</a:t>
             </a:fld>
             <a:endParaRPr lang="en-US"/>
           </a:p>
@@ -3079,7 +3079,7 @@
           <a:p>
             <a:fld id="{36F5A084-61DB-6D4B-9AF5-E4B2A9D472A3}" type="datetimeFigureOut">
               <a:rPr lang="en-US" smtClean="0"/>
-              <a:t>6/22/13</a:t>
+              <a:t>9/24/2013</a:t>
             </a:fld>
             <a:endParaRPr lang="en-US"/>
           </a:p>
@@ -3259,7 +3259,7 @@
           <a:p>
             <a:fld id="{36F5A084-61DB-6D4B-9AF5-E4B2A9D472A3}" type="datetimeFigureOut">
               <a:rPr lang="en-US" smtClean="0"/>
-              <a:t>6/22/13</a:t>
+              <a:t>9/24/2013</a:t>
             </a:fld>
             <a:endParaRPr lang="en-US"/>
           </a:p>
@@ -3506,7 +3506,7 @@
             <a:fld id="{1F6864BD-AB7C-4E72-96C5-F30924BF62CA}" type="datetimeFigureOut">
               <a:rPr lang="en-US" smtClean="0"/>
               <a:pPr/>
-              <a:t>6/22/13</a:t>
+              <a:t>9/24/2013</a:t>
             </a:fld>
             <a:endParaRPr lang="en-US"/>
           </a:p>
@@ -3791,7 +3791,7 @@
             <a:fld id="{1F6864BD-AB7C-4E72-96C5-F30924BF62CA}" type="datetimeFigureOut">
               <a:rPr lang="en-US" smtClean="0"/>
               <a:pPr/>
-              <a:t>6/22/13</a:t>
+              <a:t>9/24/2013</a:t>
             </a:fld>
             <a:endParaRPr lang="en-US"/>
           </a:p>
@@ -4210,7 +4210,7 @@
             <a:fld id="{1F6864BD-AB7C-4E72-96C5-F30924BF62CA}" type="datetimeFigureOut">
               <a:rPr lang="en-US" smtClean="0"/>
               <a:pPr/>
-              <a:t>6/22/13</a:t>
+              <a:t>9/24/2013</a:t>
             </a:fld>
             <a:endParaRPr lang="en-US"/>
           </a:p>
@@ -4341,7 +4341,7 @@
             <a:fld id="{1F6864BD-AB7C-4E72-96C5-F30924BF62CA}" type="datetimeFigureOut">
               <a:rPr lang="en-US" smtClean="0"/>
               <a:pPr/>
-              <a:t>6/22/13</a:t>
+              <a:t>9/24/2013</a:t>
             </a:fld>
             <a:endParaRPr lang="en-US"/>
           </a:p>
@@ -6338,7 +6338,7 @@
             <a:fld id="{1F6864BD-AB7C-4E72-96C5-F30924BF62CA}" type="datetimeFigureOut">
               <a:rPr lang="en-US" smtClean="0"/>
               <a:pPr/>
-              <a:t>6/22/13</a:t>
+              <a:t>9/24/2013</a:t>
             </a:fld>
             <a:endParaRPr lang="en-US"/>
           </a:p>
@@ -6588,7 +6588,7 @@
             <a:fld id="{1F6864BD-AB7C-4E72-96C5-F30924BF62CA}" type="datetimeFigureOut">
               <a:rPr lang="en-US" smtClean="0"/>
               <a:pPr/>
-              <a:t>6/22/13</a:t>
+              <a:t>9/24/2013</a:t>
             </a:fld>
             <a:endParaRPr lang="en-US"/>
           </a:p>
@@ -6798,7 +6798,7 @@
             <a:fld id="{1F6864BD-AB7C-4E72-96C5-F30924BF62CA}" type="datetimeFigureOut">
               <a:rPr lang="en-US" smtClean="0"/>
               <a:pPr/>
-              <a:t>6/22/13</a:t>
+              <a:t>9/24/2013</a:t>
             </a:fld>
             <a:endParaRPr lang="en-US"/>
           </a:p>
@@ -7304,7 +7304,7 @@
           <a:p>
             <a:fld id="{36F5A084-61DB-6D4B-9AF5-E4B2A9D472A3}" type="datetimeFigureOut">
               <a:rPr lang="en-US" smtClean="0"/>
-              <a:t>6/22/13</a:t>
+              <a:t>9/24/2013</a:t>
             </a:fld>
             <a:endParaRPr lang="en-US"/>
           </a:p>
@@ -10106,51 +10106,6 @@
           </a:p>
         </p:txBody>
       </p:sp>
-      <p:sp>
-        <p:nvSpPr>
-          <p:cNvPr id="68" name="TextBox 67"/>
-          <p:cNvSpPr txBox="1"/>
-          <p:nvPr/>
-        </p:nvSpPr>
-        <p:spPr>
-          <a:xfrm rot="19440303">
-            <a:off x="237876" y="351005"/>
-            <a:ext cx="1039693" cy="369332"/>
-          </a:xfrm>
-          <a:prstGeom prst="rect">
-            <a:avLst/>
-          </a:prstGeom>
-          <a:solidFill>
-            <a:schemeClr val="bg1"/>
-          </a:solidFill>
-          <a:ln>
-            <a:solidFill>
-              <a:schemeClr val="accent2"/>
-            </a:solidFill>
-          </a:ln>
-        </p:spPr>
-        <p:txBody>
-          <a:bodyPr wrap="none" rtlCol="0">
-            <a:spAutoFit/>
-          </a:bodyPr>
-          <a:lstStyle/>
-          <a:p>
-            <a:r>
-              <a:rPr lang="en-US" dirty="0" smtClean="0">
-                <a:solidFill>
-                  <a:srgbClr val="008000"/>
-                </a:solidFill>
-              </a:rPr>
-              <a:t>-- 2014 --</a:t>
-            </a:r>
-            <a:endParaRPr lang="en-US" dirty="0">
-              <a:solidFill>
-                <a:srgbClr val="008000"/>
-              </a:solidFill>
-            </a:endParaRPr>
-          </a:p>
-        </p:txBody>
-      </p:sp>
     </p:spTree>
   </p:cSld>
   <p:clrMapOvr>
@@ -10185,7 +10140,7 @@
           <p:nvPr>
             <p:extLst>
               <p:ext uri="{D42A27DB-BD31-4B8C-83A1-F6EECF244321}">
-                <p14:modId xmlns:p14="http://schemas.microsoft.com/office/powerpoint/2010/main" val="4099445228"/>
+                <p14:modId xmlns:p14="http://schemas.microsoft.com/office/powerpoint/2010/main" val="1124624592"/>
               </p:ext>
             </p:extLst>
           </p:nvPr>
@@ -11604,15 +11559,42 @@
                     <a:p>
                       <a:pPr algn="l" fontAlgn="b"/>
                       <a:r>
-                        <a:rPr lang="en-US" sz="1000" b="0" i="0" u="none" strike="noStrike">
+                        <a:rPr lang="en-US" sz="1000" b="0" i="0" u="none" strike="noStrike" dirty="0" smtClean="0">
                           <a:solidFill>
                             <a:srgbClr val="000000"/>
                           </a:solidFill>
                           <a:effectLst/>
                           <a:latin typeface="Calibri"/>
                         </a:rPr>
-                        <a:t>SJ</a:t>
+                        <a:t>Sanjay</a:t>
                       </a:r>
+                      <a:r>
+                        <a:rPr lang="en-US" sz="1000" b="0" i="0" u="none" strike="noStrike" baseline="0" dirty="0" smtClean="0">
+                          <a:solidFill>
+                            <a:srgbClr val="000000"/>
+                          </a:solidFill>
+                          <a:effectLst/>
+                          <a:latin typeface="Calibri"/>
+                        </a:rPr>
+                        <a:t>  </a:t>
+                      </a:r>
+                      <a:r>
+                        <a:rPr lang="en-US" sz="1000" b="0" i="0" u="none" strike="noStrike" baseline="0" dirty="0" err="1" smtClean="0">
+                          <a:solidFill>
+                            <a:srgbClr val="000000"/>
+                          </a:solidFill>
+                          <a:effectLst/>
+                          <a:latin typeface="Calibri"/>
+                        </a:rPr>
+                        <a:t>Sanchetti</a:t>
+                      </a:r>
+                      <a:endParaRPr lang="en-US" sz="1000" b="0" i="0" u="none" strike="noStrike" dirty="0">
+                        <a:solidFill>
+                          <a:srgbClr val="000000"/>
+                        </a:solidFill>
+                        <a:effectLst/>
+                        <a:latin typeface="Calibri"/>
+                      </a:endParaRPr>
                     </a:p>
                   </a:txBody>
                   <a:tcPr marL="141079" marR="11757" marT="11757" marB="0" anchor="b">
@@ -14068,16 +14050,13 @@
                     <a:lstStyle/>
                     <a:p>
                       <a:pPr algn="l" fontAlgn="b"/>
-                      <a:r>
-                        <a:rPr lang="en-US" sz="1000" b="0" i="0" u="none" strike="noStrike">
-                          <a:solidFill>
-                            <a:srgbClr val="000000"/>
-                          </a:solidFill>
-                          <a:effectLst/>
-                          <a:latin typeface="Calibri"/>
-                        </a:rPr>
-                        <a:t>Stan Schneider</a:t>
-                      </a:r>
+                      <a:endParaRPr lang="en-US" sz="1000" b="0" i="0" u="none" strike="noStrike" dirty="0">
+                        <a:solidFill>
+                          <a:srgbClr val="000000"/>
+                        </a:solidFill>
+                        <a:effectLst/>
+                        <a:latin typeface="Calibri"/>
+                      </a:endParaRPr>
                     </a:p>
                   </a:txBody>
                   <a:tcPr marL="141079" marR="11757" marT="11757" marB="0" anchor="b">
